--- a/svx/qa/unit/data/tdf115813_HandleMovementOOXMLPresetShapes.pptx
+++ b/svx/qa/unit/data/tdf115813_HandleMovementOOXMLPresetShapes.pptx
@@ -208,7 +208,7 @@
           <a:p>
             <a:fld id="{9B113631-7145-4E41-8E0C-5E299EFCE9F7}" type="datetimeFigureOut">
               <a:rPr lang="en-US" smtClean="0"/>
-              <a:t>13-May-19</a:t>
+              <a:t>19-May-19</a:t>
             </a:fld>
             <a:endParaRPr lang="en-US"/>
           </a:p>
@@ -7055,6 +7055,123 @@
           <a:p>
             <a:pPr algn="ctr"/>
             <a:endParaRPr lang="en-US"/>
+          </a:p>
+        </p:txBody>
+      </p:sp>
+      <p:sp>
+        <p:nvSpPr>
+          <p:cNvPr id="3" name="Star: 24 Points 2">
+            <a:extLst>
+              <a:ext uri="{FF2B5EF4-FFF2-40B4-BE49-F238E27FC236}">
+                <a16:creationId xmlns:a16="http://schemas.microsoft.com/office/drawing/2014/main" id="{7FC705B5-3C78-48C1-A2BC-04D5A9B4AE37}"/>
+              </a:ext>
+            </a:extLst>
+          </p:cNvPr>
+          <p:cNvSpPr/>
+          <p:nvPr/>
+        </p:nvSpPr>
+        <p:spPr>
+          <a:xfrm>
+            <a:off x="15840000" y="16560000"/>
+            <a:ext cx="1439280" cy="1799640"/>
+          </a:xfrm>
+          <a:prstGeom prst="star24">
+            <a:avLst>
+              <a:gd name="adj" fmla="val 26426"/>
+            </a:avLst>
+          </a:prstGeom>
+          <a:solidFill>
+            <a:srgbClr val="FFEFCF"/>
+          </a:solidFill>
+          <a:ln>
+            <a:solidFill>
+              <a:srgbClr val="0000FF"/>
+            </a:solidFill>
+          </a:ln>
+        </p:spPr>
+        <p:style>
+          <a:lnRef idx="2">
+            <a:schemeClr val="accent1">
+              <a:shade val="50000"/>
+            </a:schemeClr>
+          </a:lnRef>
+          <a:fillRef idx="1">
+            <a:schemeClr val="accent1"/>
+          </a:fillRef>
+          <a:effectRef idx="0">
+            <a:schemeClr val="accent1"/>
+          </a:effectRef>
+          <a:fontRef idx="minor"/>
+        </p:style>
+        <p:txBody>
+          <a:bodyPr rtlCol="0" anchor="ctr"/>
+          <a:lstStyle/>
+          <a:p>
+            <a:pPr algn="ctr"/>
+            <a:endParaRPr lang="en-US"/>
+          </a:p>
+        </p:txBody>
+      </p:sp>
+      <p:sp>
+        <p:nvSpPr>
+          <p:cNvPr id="4" name="Star: 32 Points 3">
+            <a:extLst>
+              <a:ext uri="{FF2B5EF4-FFF2-40B4-BE49-F238E27FC236}">
+                <a16:creationId xmlns:a16="http://schemas.microsoft.com/office/drawing/2014/main" id="{9C5A9A0B-DC0B-43EE-A153-F7BE59EEBEB3}"/>
+              </a:ext>
+            </a:extLst>
+          </p:cNvPr>
+          <p:cNvSpPr/>
+          <p:nvPr/>
+        </p:nvSpPr>
+        <p:spPr>
+          <a:xfrm>
+            <a:off x="17999280" y="16559640"/>
+            <a:ext cx="1439280" cy="1799640"/>
+          </a:xfrm>
+          <a:prstGeom prst="star32">
+            <a:avLst>
+              <a:gd name="adj" fmla="val 27403"/>
+            </a:avLst>
+          </a:prstGeom>
+          <a:solidFill>
+            <a:srgbClr val="FFEFCF"/>
+          </a:solidFill>
+          <a:ln>
+            <a:solidFill>
+              <a:srgbClr val="0000FF"/>
+            </a:solidFill>
+          </a:ln>
+        </p:spPr>
+        <p:style>
+          <a:lnRef idx="2">
+            <a:schemeClr val="accent1">
+              <a:shade val="50000"/>
+            </a:schemeClr>
+          </a:lnRef>
+          <a:fillRef idx="1">
+            <a:schemeClr val="accent1"/>
+          </a:fillRef>
+          <a:effectRef idx="0">
+            <a:schemeClr val="accent1"/>
+          </a:effectRef>
+          <a:fontRef idx="minor"/>
+        </p:style>
+        <p:txBody>
+          <a:bodyPr rot="0" spcFirstLastPara="0" vertOverflow="overflow" horzOverflow="overflow" vert="horz" wrap="square" lIns="91440" tIns="45720" rIns="91440" bIns="45720" numCol="1" spcCol="0" rtlCol="0" fromWordArt="0" anchor="ctr" anchorCtr="0" forceAA="0" compatLnSpc="1">
+            <a:prstTxWarp prst="textNoShape">
+              <a:avLst/>
+            </a:prstTxWarp>
+            <a:noAutofit/>
+          </a:bodyPr>
+          <a:lstStyle/>
+          <a:p>
+            <a:pPr algn="ctr"/>
+            <a:endParaRPr lang="en-US">
+              <a:solidFill>
+                <a:schemeClr val="tx1"/>
+              </a:solidFill>
+            </a:endParaRPr>
           </a:p>
         </p:txBody>
       </p:sp>
